--- a/Exp2Results/formal data/Data figures/Figures_for_resubmission [Autosaved].pptx
+++ b/Exp2Results/formal data/Data figures/Figures_for_resubmission [Autosaved].pptx
@@ -8,6 +8,8 @@
     <p:sldId id="283" r:id="rId2"/>
     <p:sldId id="284" r:id="rId3"/>
     <p:sldId id="285" r:id="rId4"/>
+    <p:sldId id="286" r:id="rId5"/>
+    <p:sldId id="287" r:id="rId6"/>
   </p:sldIdLst>
   <p:sldSz cx="12192000" cy="6858000"/>
   <p:notesSz cx="6858000" cy="9144000"/>
@@ -154,7 +156,7 @@
           <a:p>
             <a:fld id="{EAABA3CF-D2D9-434A-95F1-83D205663BF0}" type="datetimeFigureOut">
               <a:rPr lang="en-AU" smtClean="0"/>
-              <a:t>11/08/2021</a:t>
+              <a:t>18/10/2021</a:t>
             </a:fld>
             <a:endParaRPr lang="en-AU"/>
           </a:p>
@@ -1995,10 +1997,10 @@
       </p:grpSpPr>
       <p:pic>
         <p:nvPicPr>
-          <p:cNvPr id="5" name="Picture 4">
-            <a:extLst>
-              <a:ext uri="{FF2B5EF4-FFF2-40B4-BE49-F238E27FC236}">
-                <a16:creationId xmlns:a16="http://schemas.microsoft.com/office/drawing/2014/main" id="{FD1D0CD3-DE75-4606-8467-4091C113DDCC}"/>
+          <p:cNvPr id="3" name="Picture 2">
+            <a:extLst>
+              <a:ext uri="{FF2B5EF4-FFF2-40B4-BE49-F238E27FC236}">
+                <a16:creationId xmlns:a16="http://schemas.microsoft.com/office/drawing/2014/main" id="{A26EAB81-8F4F-4A60-A3EC-186B15E5AC53}"/>
               </a:ext>
             </a:extLst>
           </p:cNvPr>
@@ -2021,8 +2023,8 @@
         </p:blipFill>
         <p:spPr>
           <a:xfrm>
-            <a:off x="905522" y="665828"/>
-            <a:ext cx="5872740" cy="5299966"/>
+            <a:off x="905522" y="603682"/>
+            <a:ext cx="6611014" cy="5597400"/>
           </a:xfrm>
           <a:prstGeom prst="rect">
             <a:avLst/>
@@ -2063,6 +2065,120 @@
                 <a:cs typeface="Arial" panose="020B0604020202020204" pitchFamily="34" charset="0"/>
               </a:rPr>
               <a:t>A)</a:t>
+            </a:r>
+          </a:p>
+        </p:txBody>
+      </p:sp>
+      <p:sp>
+        <p:nvSpPr>
+          <p:cNvPr id="4" name="TextBox 3">
+            <a:extLst>
+              <a:ext uri="{FF2B5EF4-FFF2-40B4-BE49-F238E27FC236}">
+                <a16:creationId xmlns:a16="http://schemas.microsoft.com/office/drawing/2014/main" id="{F0D346C8-19C6-4998-968A-60E3CE602E4B}"/>
+              </a:ext>
+            </a:extLst>
+          </p:cNvPr>
+          <p:cNvSpPr txBox="1"/>
+          <p:nvPr/>
+        </p:nvSpPr>
+        <p:spPr>
+          <a:xfrm>
+            <a:off x="2738564" y="750353"/>
+            <a:ext cx="981512" cy="369332"/>
+          </a:xfrm>
+          <a:prstGeom prst="rect">
+            <a:avLst/>
+          </a:prstGeom>
+          <a:noFill/>
+        </p:spPr>
+        <p:txBody>
+          <a:bodyPr wrap="square" rtlCol="0">
+            <a:spAutoFit/>
+          </a:bodyPr>
+          <a:lstStyle/>
+          <a:p>
+            <a:r>
+              <a:rPr lang="en-AU" dirty="0">
+                <a:latin typeface="Arial" panose="020B0604020202020204" pitchFamily="34" charset="0"/>
+                <a:cs typeface="Arial" panose="020B0604020202020204" pitchFamily="34" charset="0"/>
+              </a:rPr>
+              <a:t>x = 0</a:t>
+            </a:r>
+          </a:p>
+        </p:txBody>
+      </p:sp>
+      <p:sp>
+        <p:nvSpPr>
+          <p:cNvPr id="7" name="TextBox 6">
+            <a:extLst>
+              <a:ext uri="{FF2B5EF4-FFF2-40B4-BE49-F238E27FC236}">
+                <a16:creationId xmlns:a16="http://schemas.microsoft.com/office/drawing/2014/main" id="{7C0623F6-AA8A-43E5-B5D6-D1A150A9B89E}"/>
+              </a:ext>
+            </a:extLst>
+          </p:cNvPr>
+          <p:cNvSpPr txBox="1"/>
+          <p:nvPr/>
+        </p:nvSpPr>
+        <p:spPr>
+          <a:xfrm>
+            <a:off x="6939094" y="3512000"/>
+            <a:ext cx="981512" cy="369332"/>
+          </a:xfrm>
+          <a:prstGeom prst="rect">
+            <a:avLst/>
+          </a:prstGeom>
+          <a:noFill/>
+        </p:spPr>
+        <p:txBody>
+          <a:bodyPr wrap="square" rtlCol="0">
+            <a:spAutoFit/>
+          </a:bodyPr>
+          <a:lstStyle/>
+          <a:p>
+            <a:r>
+              <a:rPr lang="en-AU" dirty="0">
+                <a:latin typeface="Arial" panose="020B0604020202020204" pitchFamily="34" charset="0"/>
+                <a:cs typeface="Arial" panose="020B0604020202020204" pitchFamily="34" charset="0"/>
+              </a:rPr>
+              <a:t>y = 0</a:t>
+            </a:r>
+          </a:p>
+        </p:txBody>
+      </p:sp>
+      <p:sp>
+        <p:nvSpPr>
+          <p:cNvPr id="8" name="TextBox 7">
+            <a:extLst>
+              <a:ext uri="{FF2B5EF4-FFF2-40B4-BE49-F238E27FC236}">
+                <a16:creationId xmlns:a16="http://schemas.microsoft.com/office/drawing/2014/main" id="{0FCCD363-8F21-4D05-93EF-953B46ABBA5D}"/>
+              </a:ext>
+            </a:extLst>
+          </p:cNvPr>
+          <p:cNvSpPr txBox="1"/>
+          <p:nvPr/>
+        </p:nvSpPr>
+        <p:spPr>
+          <a:xfrm>
+            <a:off x="6939094" y="750353"/>
+            <a:ext cx="981512" cy="369332"/>
+          </a:xfrm>
+          <a:prstGeom prst="rect">
+            <a:avLst/>
+          </a:prstGeom>
+          <a:noFill/>
+        </p:spPr>
+        <p:txBody>
+          <a:bodyPr wrap="square" rtlCol="0">
+            <a:spAutoFit/>
+          </a:bodyPr>
+          <a:lstStyle/>
+          <a:p>
+            <a:r>
+              <a:rPr lang="en-AU" dirty="0">
+                <a:latin typeface="Arial" panose="020B0604020202020204" pitchFamily="34" charset="0"/>
+                <a:cs typeface="Arial" panose="020B0604020202020204" pitchFamily="34" charset="0"/>
+              </a:rPr>
+              <a:t>x = y</a:t>
             </a:r>
           </a:p>
         </p:txBody>
@@ -3398,6 +3514,789 @@
     <p:extLst>
       <p:ext uri="{BB962C8B-B14F-4D97-AF65-F5344CB8AC3E}">
         <p14:creationId xmlns:p14="http://schemas.microsoft.com/office/powerpoint/2010/main" val="2641341811"/>
+      </p:ext>
+    </p:extLst>
+  </p:cSld>
+  <p:clrMapOvr>
+    <a:masterClrMapping/>
+  </p:clrMapOvr>
+</p:sld>
+</file>
+
+<file path=ppt/slides/slide4.xml><?xml version="1.0" encoding="utf-8"?>
+<p:sld xmlns:a="http://schemas.openxmlformats.org/drawingml/2006/main" xmlns:r="http://schemas.openxmlformats.org/officeDocument/2006/relationships" xmlns:p="http://schemas.openxmlformats.org/presentationml/2006/main">
+  <p:cSld>
+    <p:spTree>
+      <p:nvGrpSpPr>
+        <p:cNvPr id="1" name=""/>
+        <p:cNvGrpSpPr/>
+        <p:nvPr/>
+      </p:nvGrpSpPr>
+      <p:grpSpPr>
+        <a:xfrm>
+          <a:off x="0" y="0"/>
+          <a:ext cx="0" cy="0"/>
+          <a:chOff x="0" y="0"/>
+          <a:chExt cx="0" cy="0"/>
+        </a:xfrm>
+      </p:grpSpPr>
+      <p:pic>
+        <p:nvPicPr>
+          <p:cNvPr id="3" name="Picture 2">
+            <a:extLst>
+              <a:ext uri="{FF2B5EF4-FFF2-40B4-BE49-F238E27FC236}">
+                <a16:creationId xmlns:a16="http://schemas.microsoft.com/office/drawing/2014/main" id="{D855A994-C26E-4856-87A3-8D3A3F8A8782}"/>
+              </a:ext>
+            </a:extLst>
+          </p:cNvPr>
+          <p:cNvPicPr>
+            <a:picLocks noChangeAspect="1"/>
+          </p:cNvPicPr>
+          <p:nvPr/>
+        </p:nvPicPr>
+        <p:blipFill>
+          <a:blip r:embed="rId2">
+            <a:extLst>
+              <a:ext uri="{28A0092B-C50C-407E-A947-70E740481C1C}">
+                <a14:useLocalDpi xmlns:a14="http://schemas.microsoft.com/office/drawing/2010/main" val="0"/>
+              </a:ext>
+            </a:extLst>
+          </a:blip>
+          <a:stretch>
+            <a:fillRect/>
+          </a:stretch>
+        </p:blipFill>
+        <p:spPr>
+          <a:xfrm>
+            <a:off x="670630" y="1468074"/>
+            <a:ext cx="10337448" cy="3256386"/>
+          </a:xfrm>
+          <a:prstGeom prst="rect">
+            <a:avLst/>
+          </a:prstGeom>
+        </p:spPr>
+      </p:pic>
+      <p:sp>
+        <p:nvSpPr>
+          <p:cNvPr id="6" name="TextBox 5">
+            <a:extLst>
+              <a:ext uri="{FF2B5EF4-FFF2-40B4-BE49-F238E27FC236}">
+                <a16:creationId xmlns:a16="http://schemas.microsoft.com/office/drawing/2014/main" id="{16A34EC8-78D0-4AAA-AEC8-7CD57B2C7D49}"/>
+              </a:ext>
+            </a:extLst>
+          </p:cNvPr>
+          <p:cNvSpPr txBox="1"/>
+          <p:nvPr/>
+        </p:nvSpPr>
+        <p:spPr>
+          <a:xfrm>
+            <a:off x="1509529" y="1314185"/>
+            <a:ext cx="489771" cy="369332"/>
+          </a:xfrm>
+          <a:prstGeom prst="rect">
+            <a:avLst/>
+          </a:prstGeom>
+          <a:noFill/>
+        </p:spPr>
+        <p:txBody>
+          <a:bodyPr wrap="square" rtlCol="0">
+            <a:spAutoFit/>
+          </a:bodyPr>
+          <a:lstStyle/>
+          <a:p>
+            <a:r>
+              <a:rPr lang="en-AU" b="1" dirty="0">
+                <a:latin typeface="Arial" panose="020B0604020202020204" pitchFamily="34" charset="0"/>
+                <a:cs typeface="Arial" panose="020B0604020202020204" pitchFamily="34" charset="0"/>
+              </a:rPr>
+              <a:t>A)</a:t>
+            </a:r>
+          </a:p>
+        </p:txBody>
+      </p:sp>
+      <p:sp>
+        <p:nvSpPr>
+          <p:cNvPr id="7" name="TextBox 6">
+            <a:extLst>
+              <a:ext uri="{FF2B5EF4-FFF2-40B4-BE49-F238E27FC236}">
+                <a16:creationId xmlns:a16="http://schemas.microsoft.com/office/drawing/2014/main" id="{4933145F-3CD1-4D32-B2F1-C276A97E2FC5}"/>
+              </a:ext>
+            </a:extLst>
+          </p:cNvPr>
+          <p:cNvSpPr txBox="1"/>
+          <p:nvPr/>
+        </p:nvSpPr>
+        <p:spPr>
+          <a:xfrm>
+            <a:off x="4396740" y="1314185"/>
+            <a:ext cx="489771" cy="369332"/>
+          </a:xfrm>
+          <a:prstGeom prst="rect">
+            <a:avLst/>
+          </a:prstGeom>
+          <a:noFill/>
+        </p:spPr>
+        <p:txBody>
+          <a:bodyPr wrap="square" rtlCol="0">
+            <a:spAutoFit/>
+          </a:bodyPr>
+          <a:lstStyle/>
+          <a:p>
+            <a:r>
+              <a:rPr lang="en-AU" b="1" dirty="0">
+                <a:latin typeface="Arial" panose="020B0604020202020204" pitchFamily="34" charset="0"/>
+                <a:cs typeface="Arial" panose="020B0604020202020204" pitchFamily="34" charset="0"/>
+              </a:rPr>
+              <a:t>B)</a:t>
+            </a:r>
+          </a:p>
+        </p:txBody>
+      </p:sp>
+      <p:sp>
+        <p:nvSpPr>
+          <p:cNvPr id="8" name="TextBox 7">
+            <a:extLst>
+              <a:ext uri="{FF2B5EF4-FFF2-40B4-BE49-F238E27FC236}">
+                <a16:creationId xmlns:a16="http://schemas.microsoft.com/office/drawing/2014/main" id="{B01DB1A8-8EDC-4B45-90D5-514692352A2D}"/>
+              </a:ext>
+            </a:extLst>
+          </p:cNvPr>
+          <p:cNvSpPr txBox="1"/>
+          <p:nvPr/>
+        </p:nvSpPr>
+        <p:spPr>
+          <a:xfrm>
+            <a:off x="7305491" y="1283408"/>
+            <a:ext cx="489771" cy="369332"/>
+          </a:xfrm>
+          <a:prstGeom prst="rect">
+            <a:avLst/>
+          </a:prstGeom>
+          <a:noFill/>
+        </p:spPr>
+        <p:txBody>
+          <a:bodyPr wrap="square" rtlCol="0">
+            <a:spAutoFit/>
+          </a:bodyPr>
+          <a:lstStyle/>
+          <a:p>
+            <a:r>
+              <a:rPr lang="en-AU" b="1" dirty="0">
+                <a:latin typeface="Arial" panose="020B0604020202020204" pitchFamily="34" charset="0"/>
+                <a:cs typeface="Arial" panose="020B0604020202020204" pitchFamily="34" charset="0"/>
+              </a:rPr>
+              <a:t>C)</a:t>
+            </a:r>
+          </a:p>
+        </p:txBody>
+      </p:sp>
+    </p:spTree>
+    <p:extLst>
+      <p:ext uri="{BB962C8B-B14F-4D97-AF65-F5344CB8AC3E}">
+        <p14:creationId xmlns:p14="http://schemas.microsoft.com/office/powerpoint/2010/main" val="595294955"/>
+      </p:ext>
+    </p:extLst>
+  </p:cSld>
+  <p:clrMapOvr>
+    <a:masterClrMapping/>
+  </p:clrMapOvr>
+</p:sld>
+</file>
+
+<file path=ppt/slides/slide5.xml><?xml version="1.0" encoding="utf-8"?>
+<p:sld xmlns:a="http://schemas.openxmlformats.org/drawingml/2006/main" xmlns:r="http://schemas.openxmlformats.org/officeDocument/2006/relationships" xmlns:p="http://schemas.openxmlformats.org/presentationml/2006/main">
+  <p:cSld>
+    <p:spTree>
+      <p:nvGrpSpPr>
+        <p:cNvPr id="1" name=""/>
+        <p:cNvGrpSpPr/>
+        <p:nvPr/>
+      </p:nvGrpSpPr>
+      <p:grpSpPr>
+        <a:xfrm>
+          <a:off x="0" y="0"/>
+          <a:ext cx="0" cy="0"/>
+          <a:chOff x="0" y="0"/>
+          <a:chExt cx="0" cy="0"/>
+        </a:xfrm>
+      </p:grpSpPr>
+      <p:pic>
+        <p:nvPicPr>
+          <p:cNvPr id="18" name="Picture 17">
+            <a:extLst>
+              <a:ext uri="{FF2B5EF4-FFF2-40B4-BE49-F238E27FC236}">
+                <a16:creationId xmlns:a16="http://schemas.microsoft.com/office/drawing/2014/main" id="{B0E13531-B9A1-4B09-B155-29E40E2617E9}"/>
+              </a:ext>
+            </a:extLst>
+          </p:cNvPr>
+          <p:cNvPicPr>
+            <a:picLocks noChangeAspect="1"/>
+          </p:cNvPicPr>
+          <p:nvPr/>
+        </p:nvPicPr>
+        <p:blipFill>
+          <a:blip r:embed="rId2">
+            <a:extLst>
+              <a:ext uri="{28A0092B-C50C-407E-A947-70E740481C1C}">
+                <a14:useLocalDpi xmlns:a14="http://schemas.microsoft.com/office/drawing/2010/main" val="0"/>
+              </a:ext>
+            </a:extLst>
+          </a:blip>
+          <a:stretch>
+            <a:fillRect/>
+          </a:stretch>
+        </p:blipFill>
+        <p:spPr>
+          <a:xfrm>
+            <a:off x="298831" y="-183277"/>
+            <a:ext cx="11393001" cy="6858000"/>
+          </a:xfrm>
+          <a:prstGeom prst="rect">
+            <a:avLst/>
+          </a:prstGeom>
+        </p:spPr>
+      </p:pic>
+      <p:sp>
+        <p:nvSpPr>
+          <p:cNvPr id="5" name="Rectangle 4">
+            <a:extLst>
+              <a:ext uri="{FF2B5EF4-FFF2-40B4-BE49-F238E27FC236}">
+                <a16:creationId xmlns:a16="http://schemas.microsoft.com/office/drawing/2014/main" id="{BE5CE685-2DC8-4C38-AB77-7324C28C0979}"/>
+              </a:ext>
+            </a:extLst>
+          </p:cNvPr>
+          <p:cNvSpPr/>
+          <p:nvPr/>
+        </p:nvSpPr>
+        <p:spPr>
+          <a:xfrm>
+            <a:off x="3862115" y="6132217"/>
+            <a:ext cx="385893" cy="184558"/>
+          </a:xfrm>
+          <a:prstGeom prst="rect">
+            <a:avLst/>
+          </a:prstGeom>
+          <a:solidFill>
+            <a:schemeClr val="bg1"/>
+          </a:solidFill>
+          <a:ln>
+            <a:solidFill>
+              <a:schemeClr val="bg1"/>
+            </a:solidFill>
+          </a:ln>
+        </p:spPr>
+        <p:style>
+          <a:lnRef idx="2">
+            <a:schemeClr val="accent1">
+              <a:shade val="50000"/>
+            </a:schemeClr>
+          </a:lnRef>
+          <a:fillRef idx="1">
+            <a:schemeClr val="accent1"/>
+          </a:fillRef>
+          <a:effectRef idx="0">
+            <a:schemeClr val="accent1"/>
+          </a:effectRef>
+          <a:fontRef idx="minor">
+            <a:schemeClr val="lt1"/>
+          </a:fontRef>
+        </p:style>
+        <p:txBody>
+          <a:bodyPr rtlCol="0" anchor="ctr"/>
+          <a:lstStyle/>
+          <a:p>
+            <a:pPr algn="ctr"/>
+            <a:endParaRPr lang="en-AU"/>
+          </a:p>
+        </p:txBody>
+      </p:sp>
+      <p:sp>
+        <p:nvSpPr>
+          <p:cNvPr id="6" name="Rectangle 5">
+            <a:extLst>
+              <a:ext uri="{FF2B5EF4-FFF2-40B4-BE49-F238E27FC236}">
+                <a16:creationId xmlns:a16="http://schemas.microsoft.com/office/drawing/2014/main" id="{755E8ED5-E5B2-455F-BEA1-77E8570B5D6D}"/>
+              </a:ext>
+            </a:extLst>
+          </p:cNvPr>
+          <p:cNvSpPr/>
+          <p:nvPr/>
+        </p:nvSpPr>
+        <p:spPr>
+          <a:xfrm>
+            <a:off x="7105185" y="6123966"/>
+            <a:ext cx="385893" cy="184558"/>
+          </a:xfrm>
+          <a:prstGeom prst="rect">
+            <a:avLst/>
+          </a:prstGeom>
+          <a:solidFill>
+            <a:schemeClr val="bg1"/>
+          </a:solidFill>
+          <a:ln>
+            <a:solidFill>
+              <a:schemeClr val="bg1"/>
+            </a:solidFill>
+          </a:ln>
+        </p:spPr>
+        <p:style>
+          <a:lnRef idx="2">
+            <a:schemeClr val="accent1">
+              <a:shade val="50000"/>
+            </a:schemeClr>
+          </a:lnRef>
+          <a:fillRef idx="1">
+            <a:schemeClr val="accent1"/>
+          </a:fillRef>
+          <a:effectRef idx="0">
+            <a:schemeClr val="accent1"/>
+          </a:effectRef>
+          <a:fontRef idx="minor">
+            <a:schemeClr val="lt1"/>
+          </a:fontRef>
+        </p:style>
+        <p:txBody>
+          <a:bodyPr rtlCol="0" anchor="ctr"/>
+          <a:lstStyle/>
+          <a:p>
+            <a:pPr algn="ctr"/>
+            <a:endParaRPr lang="en-AU"/>
+          </a:p>
+        </p:txBody>
+      </p:sp>
+      <p:sp>
+        <p:nvSpPr>
+          <p:cNvPr id="7" name="Rectangle 6">
+            <a:extLst>
+              <a:ext uri="{FF2B5EF4-FFF2-40B4-BE49-F238E27FC236}">
+                <a16:creationId xmlns:a16="http://schemas.microsoft.com/office/drawing/2014/main" id="{6F82829F-149D-4D6B-AB15-75CF8FB88D0F}"/>
+              </a:ext>
+            </a:extLst>
+          </p:cNvPr>
+          <p:cNvSpPr/>
+          <p:nvPr/>
+        </p:nvSpPr>
+        <p:spPr>
+          <a:xfrm>
+            <a:off x="10312867" y="6140743"/>
+            <a:ext cx="385893" cy="184558"/>
+          </a:xfrm>
+          <a:prstGeom prst="rect">
+            <a:avLst/>
+          </a:prstGeom>
+          <a:solidFill>
+            <a:schemeClr val="bg1"/>
+          </a:solidFill>
+          <a:ln>
+            <a:solidFill>
+              <a:schemeClr val="bg1"/>
+            </a:solidFill>
+          </a:ln>
+        </p:spPr>
+        <p:style>
+          <a:lnRef idx="2">
+            <a:schemeClr val="accent1">
+              <a:shade val="50000"/>
+            </a:schemeClr>
+          </a:lnRef>
+          <a:fillRef idx="1">
+            <a:schemeClr val="accent1"/>
+          </a:fillRef>
+          <a:effectRef idx="0">
+            <a:schemeClr val="accent1"/>
+          </a:effectRef>
+          <a:fontRef idx="minor">
+            <a:schemeClr val="lt1"/>
+          </a:fontRef>
+        </p:style>
+        <p:txBody>
+          <a:bodyPr rtlCol="0" anchor="ctr"/>
+          <a:lstStyle/>
+          <a:p>
+            <a:pPr algn="ctr"/>
+            <a:endParaRPr lang="en-AU"/>
+          </a:p>
+        </p:txBody>
+      </p:sp>
+      <p:sp>
+        <p:nvSpPr>
+          <p:cNvPr id="8" name="TextBox 7">
+            <a:extLst>
+              <a:ext uri="{FF2B5EF4-FFF2-40B4-BE49-F238E27FC236}">
+                <a16:creationId xmlns:a16="http://schemas.microsoft.com/office/drawing/2014/main" id="{25AB71B2-9DEA-40C6-97D9-622AA9A18C76}"/>
+              </a:ext>
+            </a:extLst>
+          </p:cNvPr>
+          <p:cNvSpPr txBox="1"/>
+          <p:nvPr/>
+        </p:nvSpPr>
+        <p:spPr>
+          <a:xfrm>
+            <a:off x="3865974" y="5905689"/>
+            <a:ext cx="506039" cy="246221"/>
+          </a:xfrm>
+          <a:prstGeom prst="rect">
+            <a:avLst/>
+          </a:prstGeom>
+          <a:noFill/>
+        </p:spPr>
+        <p:txBody>
+          <a:bodyPr wrap="square" rtlCol="0">
+            <a:spAutoFit/>
+          </a:bodyPr>
+          <a:lstStyle/>
+          <a:p>
+            <a:r>
+              <a:rPr lang="en-AU" sz="1000" dirty="0">
+                <a:latin typeface="Arial" panose="020B0604020202020204" pitchFamily="34" charset="0"/>
+                <a:cs typeface="Arial" panose="020B0604020202020204" pitchFamily="34" charset="0"/>
+              </a:rPr>
+              <a:t>×10</a:t>
+            </a:r>
+            <a:r>
+              <a:rPr lang="en-AU" sz="1000" baseline="30000" dirty="0">
+                <a:latin typeface="Arial" panose="020B0604020202020204" pitchFamily="34" charset="0"/>
+                <a:cs typeface="Arial" panose="020B0604020202020204" pitchFamily="34" charset="0"/>
+              </a:rPr>
+              <a:t>4</a:t>
+            </a:r>
+            <a:endParaRPr lang="en-AU" sz="1000" dirty="0">
+              <a:latin typeface="Arial" panose="020B0604020202020204" pitchFamily="34" charset="0"/>
+              <a:cs typeface="Arial" panose="020B0604020202020204" pitchFamily="34" charset="0"/>
+            </a:endParaRPr>
+          </a:p>
+        </p:txBody>
+      </p:sp>
+      <p:sp>
+        <p:nvSpPr>
+          <p:cNvPr id="9" name="TextBox 8">
+            <a:extLst>
+              <a:ext uri="{FF2B5EF4-FFF2-40B4-BE49-F238E27FC236}">
+                <a16:creationId xmlns:a16="http://schemas.microsoft.com/office/drawing/2014/main" id="{D090CDEB-B33C-4F29-9BA4-7B148E8F54B6}"/>
+              </a:ext>
+            </a:extLst>
+          </p:cNvPr>
+          <p:cNvSpPr txBox="1"/>
+          <p:nvPr/>
+        </p:nvSpPr>
+        <p:spPr>
+          <a:xfrm>
+            <a:off x="7090434" y="5905689"/>
+            <a:ext cx="506039" cy="246221"/>
+          </a:xfrm>
+          <a:prstGeom prst="rect">
+            <a:avLst/>
+          </a:prstGeom>
+          <a:noFill/>
+        </p:spPr>
+        <p:txBody>
+          <a:bodyPr wrap="square" rtlCol="0">
+            <a:spAutoFit/>
+          </a:bodyPr>
+          <a:lstStyle/>
+          <a:p>
+            <a:r>
+              <a:rPr lang="en-AU" sz="1000" dirty="0">
+                <a:latin typeface="Arial" panose="020B0604020202020204" pitchFamily="34" charset="0"/>
+                <a:cs typeface="Arial" panose="020B0604020202020204" pitchFamily="34" charset="0"/>
+              </a:rPr>
+              <a:t>×10</a:t>
+            </a:r>
+            <a:r>
+              <a:rPr lang="en-AU" sz="1000" baseline="30000" dirty="0">
+                <a:latin typeface="Arial" panose="020B0604020202020204" pitchFamily="34" charset="0"/>
+                <a:cs typeface="Arial" panose="020B0604020202020204" pitchFamily="34" charset="0"/>
+              </a:rPr>
+              <a:t>4</a:t>
+            </a:r>
+            <a:endParaRPr lang="en-AU" sz="1000" dirty="0">
+              <a:latin typeface="Arial" panose="020B0604020202020204" pitchFamily="34" charset="0"/>
+              <a:cs typeface="Arial" panose="020B0604020202020204" pitchFamily="34" charset="0"/>
+            </a:endParaRPr>
+          </a:p>
+        </p:txBody>
+      </p:sp>
+      <p:sp>
+        <p:nvSpPr>
+          <p:cNvPr id="10" name="TextBox 9">
+            <a:extLst>
+              <a:ext uri="{FF2B5EF4-FFF2-40B4-BE49-F238E27FC236}">
+                <a16:creationId xmlns:a16="http://schemas.microsoft.com/office/drawing/2014/main" id="{B43CDD59-913B-4106-8D92-6FED0AA92ECF}"/>
+              </a:ext>
+            </a:extLst>
+          </p:cNvPr>
+          <p:cNvSpPr txBox="1"/>
+          <p:nvPr/>
+        </p:nvSpPr>
+        <p:spPr>
+          <a:xfrm>
+            <a:off x="10304478" y="5902912"/>
+            <a:ext cx="506039" cy="246221"/>
+          </a:xfrm>
+          <a:prstGeom prst="rect">
+            <a:avLst/>
+          </a:prstGeom>
+          <a:noFill/>
+        </p:spPr>
+        <p:txBody>
+          <a:bodyPr wrap="square" rtlCol="0">
+            <a:spAutoFit/>
+          </a:bodyPr>
+          <a:lstStyle/>
+          <a:p>
+            <a:r>
+              <a:rPr lang="en-AU" sz="1000" dirty="0">
+                <a:latin typeface="Arial" panose="020B0604020202020204" pitchFamily="34" charset="0"/>
+                <a:cs typeface="Arial" panose="020B0604020202020204" pitchFamily="34" charset="0"/>
+              </a:rPr>
+              <a:t>×10</a:t>
+            </a:r>
+            <a:r>
+              <a:rPr lang="en-AU" sz="1000" baseline="30000" dirty="0">
+                <a:latin typeface="Arial" panose="020B0604020202020204" pitchFamily="34" charset="0"/>
+                <a:cs typeface="Arial" panose="020B0604020202020204" pitchFamily="34" charset="0"/>
+              </a:rPr>
+              <a:t>4</a:t>
+            </a:r>
+            <a:endParaRPr lang="en-AU" sz="1000" dirty="0">
+              <a:latin typeface="Arial" panose="020B0604020202020204" pitchFamily="34" charset="0"/>
+              <a:cs typeface="Arial" panose="020B0604020202020204" pitchFamily="34" charset="0"/>
+            </a:endParaRPr>
+          </a:p>
+        </p:txBody>
+      </p:sp>
+      <p:sp>
+        <p:nvSpPr>
+          <p:cNvPr id="11" name="TextBox 10">
+            <a:extLst>
+              <a:ext uri="{FF2B5EF4-FFF2-40B4-BE49-F238E27FC236}">
+                <a16:creationId xmlns:a16="http://schemas.microsoft.com/office/drawing/2014/main" id="{15CE04B4-191F-4F5F-B5CE-8C3BCEECC459}"/>
+              </a:ext>
+            </a:extLst>
+          </p:cNvPr>
+          <p:cNvSpPr txBox="1"/>
+          <p:nvPr/>
+        </p:nvSpPr>
+        <p:spPr>
+          <a:xfrm>
+            <a:off x="1224302" y="33556"/>
+            <a:ext cx="577049" cy="400110"/>
+          </a:xfrm>
+          <a:prstGeom prst="rect">
+            <a:avLst/>
+          </a:prstGeom>
+          <a:noFill/>
+        </p:spPr>
+        <p:txBody>
+          <a:bodyPr wrap="square" rtlCol="0">
+            <a:spAutoFit/>
+          </a:bodyPr>
+          <a:lstStyle/>
+          <a:p>
+            <a:r>
+              <a:rPr lang="en-AU" sz="2000" b="1" dirty="0">
+                <a:latin typeface="Arial" panose="020B0604020202020204" pitchFamily="34" charset="0"/>
+                <a:cs typeface="Arial" panose="020B0604020202020204" pitchFamily="34" charset="0"/>
+              </a:rPr>
+              <a:t>A)</a:t>
+            </a:r>
+          </a:p>
+        </p:txBody>
+      </p:sp>
+      <p:sp>
+        <p:nvSpPr>
+          <p:cNvPr id="12" name="TextBox 11">
+            <a:extLst>
+              <a:ext uri="{FF2B5EF4-FFF2-40B4-BE49-F238E27FC236}">
+                <a16:creationId xmlns:a16="http://schemas.microsoft.com/office/drawing/2014/main" id="{DC35A1AF-0534-4487-B69E-7316EE1B8573}"/>
+              </a:ext>
+            </a:extLst>
+          </p:cNvPr>
+          <p:cNvSpPr txBox="1"/>
+          <p:nvPr/>
+        </p:nvSpPr>
+        <p:spPr>
+          <a:xfrm>
+            <a:off x="4449106" y="33556"/>
+            <a:ext cx="577049" cy="400110"/>
+          </a:xfrm>
+          <a:prstGeom prst="rect">
+            <a:avLst/>
+          </a:prstGeom>
+          <a:noFill/>
+        </p:spPr>
+        <p:txBody>
+          <a:bodyPr wrap="square" rtlCol="0">
+            <a:spAutoFit/>
+          </a:bodyPr>
+          <a:lstStyle/>
+          <a:p>
+            <a:r>
+              <a:rPr lang="en-AU" sz="2000" b="1" dirty="0">
+                <a:latin typeface="Arial" panose="020B0604020202020204" pitchFamily="34" charset="0"/>
+                <a:cs typeface="Arial" panose="020B0604020202020204" pitchFamily="34" charset="0"/>
+              </a:rPr>
+              <a:t>B)</a:t>
+            </a:r>
+          </a:p>
+        </p:txBody>
+      </p:sp>
+      <p:sp>
+        <p:nvSpPr>
+          <p:cNvPr id="13" name="TextBox 12">
+            <a:extLst>
+              <a:ext uri="{FF2B5EF4-FFF2-40B4-BE49-F238E27FC236}">
+                <a16:creationId xmlns:a16="http://schemas.microsoft.com/office/drawing/2014/main" id="{539358AD-F479-4D19-90C6-114B27178E47}"/>
+              </a:ext>
+            </a:extLst>
+          </p:cNvPr>
+          <p:cNvSpPr txBox="1"/>
+          <p:nvPr/>
+        </p:nvSpPr>
+        <p:spPr>
+          <a:xfrm>
+            <a:off x="7673910" y="33556"/>
+            <a:ext cx="577049" cy="400110"/>
+          </a:xfrm>
+          <a:prstGeom prst="rect">
+            <a:avLst/>
+          </a:prstGeom>
+          <a:noFill/>
+        </p:spPr>
+        <p:txBody>
+          <a:bodyPr wrap="square" rtlCol="0">
+            <a:spAutoFit/>
+          </a:bodyPr>
+          <a:lstStyle/>
+          <a:p>
+            <a:r>
+              <a:rPr lang="en-AU" sz="2000" b="1" dirty="0">
+                <a:latin typeface="Arial" panose="020B0604020202020204" pitchFamily="34" charset="0"/>
+                <a:cs typeface="Arial" panose="020B0604020202020204" pitchFamily="34" charset="0"/>
+              </a:rPr>
+              <a:t>C)</a:t>
+            </a:r>
+          </a:p>
+        </p:txBody>
+      </p:sp>
+      <p:sp>
+        <p:nvSpPr>
+          <p:cNvPr id="14" name="TextBox 13">
+            <a:extLst>
+              <a:ext uri="{FF2B5EF4-FFF2-40B4-BE49-F238E27FC236}">
+                <a16:creationId xmlns:a16="http://schemas.microsoft.com/office/drawing/2014/main" id="{954AE624-46E5-4FA7-BC6A-78F5FD49B919}"/>
+              </a:ext>
+            </a:extLst>
+          </p:cNvPr>
+          <p:cNvSpPr txBox="1"/>
+          <p:nvPr/>
+        </p:nvSpPr>
+        <p:spPr>
+          <a:xfrm>
+            <a:off x="1224302" y="3254112"/>
+            <a:ext cx="577049" cy="400110"/>
+          </a:xfrm>
+          <a:prstGeom prst="rect">
+            <a:avLst/>
+          </a:prstGeom>
+          <a:noFill/>
+        </p:spPr>
+        <p:txBody>
+          <a:bodyPr wrap="square" rtlCol="0">
+            <a:spAutoFit/>
+          </a:bodyPr>
+          <a:lstStyle/>
+          <a:p>
+            <a:r>
+              <a:rPr lang="en-AU" sz="2000" b="1" dirty="0">
+                <a:latin typeface="Arial" panose="020B0604020202020204" pitchFamily="34" charset="0"/>
+                <a:cs typeface="Arial" panose="020B0604020202020204" pitchFamily="34" charset="0"/>
+              </a:rPr>
+              <a:t>D)</a:t>
+            </a:r>
+          </a:p>
+        </p:txBody>
+      </p:sp>
+      <p:sp>
+        <p:nvSpPr>
+          <p:cNvPr id="15" name="TextBox 14">
+            <a:extLst>
+              <a:ext uri="{FF2B5EF4-FFF2-40B4-BE49-F238E27FC236}">
+                <a16:creationId xmlns:a16="http://schemas.microsoft.com/office/drawing/2014/main" id="{B6936C2A-15A5-4DB3-B178-E3BCD5A3B3FB}"/>
+              </a:ext>
+            </a:extLst>
+          </p:cNvPr>
+          <p:cNvSpPr txBox="1"/>
+          <p:nvPr/>
+        </p:nvSpPr>
+        <p:spPr>
+          <a:xfrm>
+            <a:off x="4472680" y="3254112"/>
+            <a:ext cx="577049" cy="400110"/>
+          </a:xfrm>
+          <a:prstGeom prst="rect">
+            <a:avLst/>
+          </a:prstGeom>
+          <a:noFill/>
+        </p:spPr>
+        <p:txBody>
+          <a:bodyPr wrap="square" rtlCol="0">
+            <a:spAutoFit/>
+          </a:bodyPr>
+          <a:lstStyle/>
+          <a:p>
+            <a:r>
+              <a:rPr lang="en-AU" sz="2000" b="1" dirty="0">
+                <a:latin typeface="Arial" panose="020B0604020202020204" pitchFamily="34" charset="0"/>
+                <a:cs typeface="Arial" panose="020B0604020202020204" pitchFamily="34" charset="0"/>
+              </a:rPr>
+              <a:t>E)</a:t>
+            </a:r>
+          </a:p>
+        </p:txBody>
+      </p:sp>
+      <p:sp>
+        <p:nvSpPr>
+          <p:cNvPr id="16" name="TextBox 15">
+            <a:extLst>
+              <a:ext uri="{FF2B5EF4-FFF2-40B4-BE49-F238E27FC236}">
+                <a16:creationId xmlns:a16="http://schemas.microsoft.com/office/drawing/2014/main" id="{9C67E5DE-BD89-4BD6-A8A1-CD2046A37468}"/>
+              </a:ext>
+            </a:extLst>
+          </p:cNvPr>
+          <p:cNvSpPr txBox="1"/>
+          <p:nvPr/>
+        </p:nvSpPr>
+        <p:spPr>
+          <a:xfrm>
+            <a:off x="7673910" y="3259123"/>
+            <a:ext cx="577049" cy="400110"/>
+          </a:xfrm>
+          <a:prstGeom prst="rect">
+            <a:avLst/>
+          </a:prstGeom>
+          <a:noFill/>
+        </p:spPr>
+        <p:txBody>
+          <a:bodyPr wrap="square" rtlCol="0">
+            <a:spAutoFit/>
+          </a:bodyPr>
+          <a:lstStyle/>
+          <a:p>
+            <a:r>
+              <a:rPr lang="en-AU" sz="2000" b="1" dirty="0">
+                <a:latin typeface="Arial" panose="020B0604020202020204" pitchFamily="34" charset="0"/>
+                <a:cs typeface="Arial" panose="020B0604020202020204" pitchFamily="34" charset="0"/>
+              </a:rPr>
+              <a:t>F)</a:t>
+            </a:r>
+          </a:p>
+        </p:txBody>
+      </p:sp>
+    </p:spTree>
+    <p:extLst>
+      <p:ext uri="{BB962C8B-B14F-4D97-AF65-F5344CB8AC3E}">
+        <p14:creationId xmlns:p14="http://schemas.microsoft.com/office/powerpoint/2010/main" val="4012744932"/>
       </p:ext>
     </p:extLst>
   </p:cSld>
